--- a/PPT/23_仿射框架.pptx
+++ b/PPT/23_仿射框架.pptx
@@ -333,7 +333,7 @@
               <a:pPr>
                 <a:defRPr/>
               </a:pPr>
-              <a:t>2017/8/18</a:t>
+              <a:t>2017/8/22</a:t>
             </a:fld>
             <a:endParaRPr lang="zh-CN" altLang="en-US" sz="1200"/>
           </a:p>
@@ -5668,8 +5668,8 @@
           </a:p>
         </p:txBody>
       </p:sp>
-      <mc:AlternateContent xmlns:mc="http://schemas.openxmlformats.org/markup-compatibility/2006">
-        <mc:Choice xmlns:a14="http://schemas.microsoft.com/office/drawing/2010/main" Requires="a14">
+      <mc:AlternateContent xmlns:mc="http://schemas.openxmlformats.org/markup-compatibility/2006" xmlns:a14="http://schemas.microsoft.com/office/drawing/2010/main">
+        <mc:Choice Requires="a14">
           <p:sp>
             <p:nvSpPr>
               <p:cNvPr id="4" name="Content Placeholder 3">
@@ -6258,7 +6258,7 @@
             </p:txBody>
           </p:sp>
         </mc:Choice>
-        <mc:Fallback>
+        <mc:Fallback xmlns="">
           <p:sp>
             <p:nvSpPr>
               <p:cNvPr id="4" name="Content Placeholder 3">
@@ -7201,7 +7201,7 @@
                               <a:latin typeface="Cambria Math" panose="02040503050406030204" pitchFamily="18" charset="0"/>
                               <a:ea typeface="微软雅黑 Light" panose="020B0502040204020203" pitchFamily="34" charset="-122"/>
                             </a:rPr>
-                            <m:t>1</m:t>
+                            <m:t>2</m:t>
                           </m:r>
                         </m:sub>
                       </m:sSub>
@@ -9841,7 +9841,7 @@
                                         <a:latin typeface="Cambria Math" panose="02040503050406030204" pitchFamily="18" charset="0"/>
                                         <a:ea typeface="微软雅黑 Light" panose="020B0502040204020203" pitchFamily="34" charset="-122"/>
                                       </a:rPr>
-                                      <m:t>3</m:t>
+                                      <m:t>𝑛</m:t>
                                     </m:r>
                                   </m:sub>
                                 </m:sSub>
@@ -10174,17 +10174,17 @@
                                   </m:e>
                                   <m:sub>
                                     <m:r>
-                                      <a:rPr lang="en-US" altLang="zh-CN" sz="2000" i="1">
-                                        <a:solidFill>
-                                          <a:schemeClr val="tx1">
-                                            <a:lumMod val="65000"/>
-                                            <a:lumOff val="35000"/>
-                                          </a:schemeClr>
-                                        </a:solidFill>
-                                        <a:latin typeface="Cambria Math" panose="02040503050406030204" pitchFamily="18" charset="0"/>
-                                        <a:ea typeface="微软雅黑 Light" panose="020B0502040204020203" pitchFamily="34" charset="-122"/>
-                                      </a:rPr>
-                                      <m:t>3</m:t>
+                                      <a:rPr lang="en-US" altLang="zh-CN" sz="2000" b="0" i="1" smtClean="0">
+                                        <a:solidFill>
+                                          <a:schemeClr val="tx1">
+                                            <a:lumMod val="65000"/>
+                                            <a:lumOff val="35000"/>
+                                          </a:schemeClr>
+                                        </a:solidFill>
+                                        <a:latin typeface="Cambria Math" panose="02040503050406030204" pitchFamily="18" charset="0"/>
+                                        <a:ea typeface="微软雅黑 Light" panose="020B0502040204020203" pitchFamily="34" charset="-122"/>
+                                      </a:rPr>
+                                      <m:t>𝑛</m:t>
                                     </m:r>
                                   </m:sub>
                                 </m:sSub>
@@ -10443,8 +10443,8 @@
           </a:p>
         </p:txBody>
       </p:sp>
-      <mc:AlternateContent xmlns:mc="http://schemas.openxmlformats.org/markup-compatibility/2006">
-        <mc:Choice xmlns:a14="http://schemas.microsoft.com/office/drawing/2010/main" Requires="a14">
+      <mc:AlternateContent xmlns:mc="http://schemas.openxmlformats.org/markup-compatibility/2006" xmlns:a14="http://schemas.microsoft.com/office/drawing/2010/main">
+        <mc:Choice Requires="a14">
           <p:sp>
             <p:nvSpPr>
               <p:cNvPr id="4" name="Content Placeholder 3">
@@ -11222,7 +11222,7 @@
             </p:txBody>
           </p:sp>
         </mc:Choice>
-        <mc:Fallback>
+        <mc:Fallback xmlns="">
           <p:sp>
             <p:nvSpPr>
               <p:cNvPr id="4" name="Content Placeholder 3">
@@ -11954,8 +11954,8 @@
           </a:p>
         </p:txBody>
       </p:sp>
-      <mc:AlternateContent xmlns:mc="http://schemas.openxmlformats.org/markup-compatibility/2006">
-        <mc:Choice xmlns:a14="http://schemas.microsoft.com/office/drawing/2010/main" Requires="a14">
+      <mc:AlternateContent xmlns:mc="http://schemas.openxmlformats.org/markup-compatibility/2006" xmlns:a14="http://schemas.microsoft.com/office/drawing/2010/main">
+        <mc:Choice Requires="a14">
           <p:sp>
             <p:nvSpPr>
               <p:cNvPr id="4" name="Content Placeholder 3">
@@ -13985,7 +13985,7 @@
             </p:txBody>
           </p:sp>
         </mc:Choice>
-        <mc:Fallback>
+        <mc:Fallback xmlns="">
           <p:sp>
             <p:nvSpPr>
               <p:cNvPr id="4" name="Content Placeholder 3">
@@ -14935,7 +14935,7 @@
                               <a:latin typeface="Cambria Math" panose="02040503050406030204" pitchFamily="18" charset="0"/>
                               <a:ea typeface="微软雅黑 Light" panose="020B0502040204020203" pitchFamily="34" charset="-122"/>
                             </a:rPr>
-                            <m:t>𝑣</m:t>
+                            <m:t>𝑢</m:t>
                           </m:r>
                         </m:e>
                       </m:acc>
@@ -15239,7 +15239,7 @@
                                 <m:sSub>
                                   <m:sSubPr>
                                     <m:ctrlPr>
-                                      <a:rPr lang="en-US" altLang="zh-CN" sz="2000" i="1">
+                                      <a:rPr lang="en-US" altLang="zh-CN" sz="2000" i="1" smtClean="0">
                                         <a:solidFill>
                                           <a:schemeClr val="tx1">
                                             <a:lumMod val="65000"/>
@@ -15252,42 +15252,23 @@
                                     </m:ctrlPr>
                                   </m:sSubPr>
                                   <m:e>
-                                    <m:acc>
-                                      <m:accPr>
-                                        <m:chr m:val="⃗"/>
-                                        <m:ctrlPr>
-                                          <a:rPr lang="en-US" altLang="zh-CN" sz="2000" i="1">
-                                            <a:solidFill>
-                                              <a:schemeClr val="tx1">
-                                                <a:lumMod val="65000"/>
-                                                <a:lumOff val="35000"/>
-                                              </a:schemeClr>
-                                            </a:solidFill>
-                                            <a:latin typeface="Cambria Math" panose="02040503050406030204" pitchFamily="18" charset="0"/>
-                                            <a:ea typeface="微软雅黑 Light" panose="020B0502040204020203" pitchFamily="34" charset="-122"/>
-                                          </a:rPr>
-                                        </m:ctrlPr>
-                                      </m:accPr>
-                                      <m:e>
-                                        <m:r>
-                                          <a:rPr lang="en-US" altLang="zh-CN" sz="2000" i="1">
-                                            <a:solidFill>
-                                              <a:schemeClr val="tx1">
-                                                <a:lumMod val="65000"/>
-                                                <a:lumOff val="35000"/>
-                                              </a:schemeClr>
-                                            </a:solidFill>
-                                            <a:latin typeface="Cambria Math" panose="02040503050406030204" pitchFamily="18" charset="0"/>
-                                            <a:ea typeface="微软雅黑 Light" panose="020B0502040204020203" pitchFamily="34" charset="-122"/>
-                                          </a:rPr>
-                                          <m:t>𝑣</m:t>
-                                        </m:r>
-                                      </m:e>
-                                    </m:acc>
+                                    <m:r>
+                                      <a:rPr lang="en-US" altLang="zh-CN" sz="2000" b="0" i="1" smtClean="0">
+                                        <a:solidFill>
+                                          <a:schemeClr val="tx1">
+                                            <a:lumMod val="65000"/>
+                                            <a:lumOff val="35000"/>
+                                          </a:schemeClr>
+                                        </a:solidFill>
+                                        <a:latin typeface="Cambria Math" panose="02040503050406030204" pitchFamily="18" charset="0"/>
+                                        <a:ea typeface="微软雅黑 Light" panose="020B0502040204020203" pitchFamily="34" charset="-122"/>
+                                      </a:rPr>
+                                      <m:t>𝑢</m:t>
+                                    </m:r>
                                   </m:e>
                                   <m:sub>
                                     <m:r>
-                                      <a:rPr lang="en-US" altLang="zh-CN" sz="2000" i="1">
+                                      <a:rPr lang="en-US" altLang="zh-CN" sz="2000" b="0" i="1" smtClean="0">
                                         <a:solidFill>
                                           <a:schemeClr val="tx1">
                                             <a:lumMod val="65000"/>
@@ -15321,38 +15302,19 @@
                                     </m:ctrlPr>
                                   </m:sSubPr>
                                   <m:e>
-                                    <m:acc>
-                                      <m:accPr>
-                                        <m:chr m:val="⃗"/>
-                                        <m:ctrlPr>
-                                          <a:rPr lang="en-US" altLang="zh-CN" sz="2000" i="1">
-                                            <a:solidFill>
-                                              <a:schemeClr val="tx1">
-                                                <a:lumMod val="65000"/>
-                                                <a:lumOff val="35000"/>
-                                              </a:schemeClr>
-                                            </a:solidFill>
-                                            <a:latin typeface="Cambria Math" panose="02040503050406030204" pitchFamily="18" charset="0"/>
-                                            <a:ea typeface="微软雅黑 Light" panose="020B0502040204020203" pitchFamily="34" charset="-122"/>
-                                          </a:rPr>
-                                        </m:ctrlPr>
-                                      </m:accPr>
-                                      <m:e>
-                                        <m:r>
-                                          <a:rPr lang="en-US" altLang="zh-CN" sz="2000" i="1">
-                                            <a:solidFill>
-                                              <a:schemeClr val="tx1">
-                                                <a:lumMod val="65000"/>
-                                                <a:lumOff val="35000"/>
-                                              </a:schemeClr>
-                                            </a:solidFill>
-                                            <a:latin typeface="Cambria Math" panose="02040503050406030204" pitchFamily="18" charset="0"/>
-                                            <a:ea typeface="微软雅黑 Light" panose="020B0502040204020203" pitchFamily="34" charset="-122"/>
-                                          </a:rPr>
-                                          <m:t>𝑣</m:t>
-                                        </m:r>
-                                      </m:e>
-                                    </m:acc>
+                                    <m:r>
+                                      <a:rPr lang="en-US" altLang="zh-CN" sz="2000" i="1">
+                                        <a:solidFill>
+                                          <a:schemeClr val="tx1">
+                                            <a:lumMod val="65000"/>
+                                            <a:lumOff val="35000"/>
+                                          </a:schemeClr>
+                                        </a:solidFill>
+                                        <a:latin typeface="Cambria Math" panose="02040503050406030204" pitchFamily="18" charset="0"/>
+                                        <a:ea typeface="微软雅黑 Light" panose="020B0502040204020203" pitchFamily="34" charset="-122"/>
+                                      </a:rPr>
+                                      <m:t>𝑢</m:t>
+                                    </m:r>
                                   </m:e>
                                   <m:sub>
                                     <m:r>
@@ -15407,38 +15369,19 @@
                                     </m:ctrlPr>
                                   </m:sSubPr>
                                   <m:e>
-                                    <m:acc>
-                                      <m:accPr>
-                                        <m:chr m:val="⃗"/>
-                                        <m:ctrlPr>
-                                          <a:rPr lang="en-US" altLang="zh-CN" sz="2000" i="1">
-                                            <a:solidFill>
-                                              <a:schemeClr val="tx1">
-                                                <a:lumMod val="65000"/>
-                                                <a:lumOff val="35000"/>
-                                              </a:schemeClr>
-                                            </a:solidFill>
-                                            <a:latin typeface="Cambria Math" panose="02040503050406030204" pitchFamily="18" charset="0"/>
-                                            <a:ea typeface="微软雅黑 Light" panose="020B0502040204020203" pitchFamily="34" charset="-122"/>
-                                          </a:rPr>
-                                        </m:ctrlPr>
-                                      </m:accPr>
-                                      <m:e>
-                                        <m:r>
-                                          <a:rPr lang="en-US" altLang="zh-CN" sz="2000" i="1">
-                                            <a:solidFill>
-                                              <a:schemeClr val="tx1">
-                                                <a:lumMod val="65000"/>
-                                                <a:lumOff val="35000"/>
-                                              </a:schemeClr>
-                                            </a:solidFill>
-                                            <a:latin typeface="Cambria Math" panose="02040503050406030204" pitchFamily="18" charset="0"/>
-                                            <a:ea typeface="微软雅黑 Light" panose="020B0502040204020203" pitchFamily="34" charset="-122"/>
-                                          </a:rPr>
-                                          <m:t>𝑣</m:t>
-                                        </m:r>
-                                      </m:e>
-                                    </m:acc>
+                                    <m:r>
+                                      <a:rPr lang="en-US" altLang="zh-CN" sz="2000" i="1">
+                                        <a:solidFill>
+                                          <a:schemeClr val="tx1">
+                                            <a:lumMod val="65000"/>
+                                            <a:lumOff val="35000"/>
+                                          </a:schemeClr>
+                                        </a:solidFill>
+                                        <a:latin typeface="Cambria Math" panose="02040503050406030204" pitchFamily="18" charset="0"/>
+                                        <a:ea typeface="微软雅黑 Light" panose="020B0502040204020203" pitchFamily="34" charset="-122"/>
+                                      </a:rPr>
+                                      <m:t>𝑢</m:t>
+                                    </m:r>
                                   </m:e>
                                   <m:sub>
                                     <m:r>
@@ -15609,38 +15552,19 @@
                                     </m:ctrlPr>
                                   </m:sSubPr>
                                   <m:e>
-                                    <m:acc>
-                                      <m:accPr>
-                                        <m:chr m:val="⃗"/>
-                                        <m:ctrlPr>
-                                          <a:rPr lang="en-US" altLang="zh-CN" sz="2000" i="1">
-                                            <a:solidFill>
-                                              <a:schemeClr val="tx1">
-                                                <a:lumMod val="65000"/>
-                                                <a:lumOff val="35000"/>
-                                              </a:schemeClr>
-                                            </a:solidFill>
-                                            <a:latin typeface="Cambria Math" panose="02040503050406030204" pitchFamily="18" charset="0"/>
-                                            <a:ea typeface="微软雅黑 Light" panose="020B0502040204020203" pitchFamily="34" charset="-122"/>
-                                          </a:rPr>
-                                        </m:ctrlPr>
-                                      </m:accPr>
-                                      <m:e>
-                                        <m:r>
-                                          <a:rPr lang="en-US" altLang="zh-CN" sz="2000" i="1">
-                                            <a:solidFill>
-                                              <a:schemeClr val="tx1">
-                                                <a:lumMod val="65000"/>
-                                                <a:lumOff val="35000"/>
-                                              </a:schemeClr>
-                                            </a:solidFill>
-                                            <a:latin typeface="Cambria Math" panose="02040503050406030204" pitchFamily="18" charset="0"/>
-                                            <a:ea typeface="微软雅黑 Light" panose="020B0502040204020203" pitchFamily="34" charset="-122"/>
-                                          </a:rPr>
-                                          <m:t>𝑣</m:t>
-                                        </m:r>
-                                      </m:e>
-                                    </m:acc>
+                                    <m:r>
+                                      <a:rPr lang="en-US" altLang="zh-CN" sz="2000" i="1">
+                                        <a:solidFill>
+                                          <a:schemeClr val="tx1">
+                                            <a:lumMod val="65000"/>
+                                            <a:lumOff val="35000"/>
+                                          </a:schemeClr>
+                                        </a:solidFill>
+                                        <a:latin typeface="Cambria Math" panose="02040503050406030204" pitchFamily="18" charset="0"/>
+                                        <a:ea typeface="微软雅黑 Light" panose="020B0502040204020203" pitchFamily="34" charset="-122"/>
+                                      </a:rPr>
+                                      <m:t>𝑢</m:t>
+                                    </m:r>
                                   </m:e>
                                   <m:sub>
                                     <m:r>
@@ -15737,52 +15661,33 @@
                                     </m:ctrlPr>
                                   </m:sSubPr>
                                   <m:e>
-                                    <m:acc>
-                                      <m:accPr>
-                                        <m:chr m:val="⃗"/>
-                                        <m:ctrlPr>
-                                          <a:rPr lang="en-US" altLang="zh-CN" sz="2000" i="1">
-                                            <a:solidFill>
-                                              <a:schemeClr val="tx1">
-                                                <a:lumMod val="65000"/>
-                                                <a:lumOff val="35000"/>
-                                              </a:schemeClr>
-                                            </a:solidFill>
-                                            <a:latin typeface="Cambria Math" panose="02040503050406030204" pitchFamily="18" charset="0"/>
-                                            <a:ea typeface="微软雅黑 Light" panose="020B0502040204020203" pitchFamily="34" charset="-122"/>
-                                          </a:rPr>
-                                        </m:ctrlPr>
-                                      </m:accPr>
-                                      <m:e>
-                                        <m:r>
-                                          <a:rPr lang="en-US" altLang="zh-CN" sz="2000" i="1">
-                                            <a:solidFill>
-                                              <a:schemeClr val="tx1">
-                                                <a:lumMod val="65000"/>
-                                                <a:lumOff val="35000"/>
-                                              </a:schemeClr>
-                                            </a:solidFill>
-                                            <a:latin typeface="Cambria Math" panose="02040503050406030204" pitchFamily="18" charset="0"/>
-                                            <a:ea typeface="微软雅黑 Light" panose="020B0502040204020203" pitchFamily="34" charset="-122"/>
-                                          </a:rPr>
-                                          <m:t>𝑣</m:t>
-                                        </m:r>
-                                      </m:e>
-                                    </m:acc>
+                                    <m:r>
+                                      <a:rPr lang="en-US" altLang="zh-CN" sz="2000" i="1">
+                                        <a:solidFill>
+                                          <a:schemeClr val="tx1">
+                                            <a:lumMod val="65000"/>
+                                            <a:lumOff val="35000"/>
+                                          </a:schemeClr>
+                                        </a:solidFill>
+                                        <a:latin typeface="Cambria Math" panose="02040503050406030204" pitchFamily="18" charset="0"/>
+                                        <a:ea typeface="微软雅黑 Light" panose="020B0502040204020203" pitchFamily="34" charset="-122"/>
+                                      </a:rPr>
+                                      <m:t>𝑢</m:t>
+                                    </m:r>
                                   </m:e>
                                   <m:sub>
                                     <m:r>
-                                      <a:rPr lang="en-US" altLang="zh-CN" sz="2000" i="1">
-                                        <a:solidFill>
-                                          <a:schemeClr val="tx1">
-                                            <a:lumMod val="65000"/>
-                                            <a:lumOff val="35000"/>
-                                          </a:schemeClr>
-                                        </a:solidFill>
-                                        <a:latin typeface="Cambria Math" panose="02040503050406030204" pitchFamily="18" charset="0"/>
-                                        <a:ea typeface="微软雅黑 Light" panose="020B0502040204020203" pitchFamily="34" charset="-122"/>
-                                      </a:rPr>
-                                      <m:t>1</m:t>
+                                      <a:rPr lang="en-US" altLang="zh-CN" sz="2000" b="0" i="1" smtClean="0">
+                                        <a:solidFill>
+                                          <a:schemeClr val="tx1">
+                                            <a:lumMod val="65000"/>
+                                            <a:lumOff val="35000"/>
+                                          </a:schemeClr>
+                                        </a:solidFill>
+                                        <a:latin typeface="Cambria Math" panose="02040503050406030204" pitchFamily="18" charset="0"/>
+                                        <a:ea typeface="微软雅黑 Light" panose="020B0502040204020203" pitchFamily="34" charset="-122"/>
+                                      </a:rPr>
+                                      <m:t>2</m:t>
                                     </m:r>
                                   </m:sub>
                                 </m:sSub>
@@ -15882,52 +15787,33 @@
                                     </m:ctrlPr>
                                   </m:sSubPr>
                                   <m:e>
-                                    <m:acc>
-                                      <m:accPr>
-                                        <m:chr m:val="⃗"/>
-                                        <m:ctrlPr>
-                                          <a:rPr lang="en-US" altLang="zh-CN" sz="2000" i="1">
-                                            <a:solidFill>
-                                              <a:schemeClr val="tx1">
-                                                <a:lumMod val="65000"/>
-                                                <a:lumOff val="35000"/>
-                                              </a:schemeClr>
-                                            </a:solidFill>
-                                            <a:latin typeface="Cambria Math" panose="02040503050406030204" pitchFamily="18" charset="0"/>
-                                            <a:ea typeface="微软雅黑 Light" panose="020B0502040204020203" pitchFamily="34" charset="-122"/>
-                                          </a:rPr>
-                                        </m:ctrlPr>
-                                      </m:accPr>
-                                      <m:e>
-                                        <m:r>
-                                          <a:rPr lang="en-US" altLang="zh-CN" sz="2000" i="1">
-                                            <a:solidFill>
-                                              <a:schemeClr val="tx1">
-                                                <a:lumMod val="65000"/>
-                                                <a:lumOff val="35000"/>
-                                              </a:schemeClr>
-                                            </a:solidFill>
-                                            <a:latin typeface="Cambria Math" panose="02040503050406030204" pitchFamily="18" charset="0"/>
-                                            <a:ea typeface="微软雅黑 Light" panose="020B0502040204020203" pitchFamily="34" charset="-122"/>
-                                          </a:rPr>
-                                          <m:t>𝑣</m:t>
-                                        </m:r>
-                                      </m:e>
-                                    </m:acc>
+                                    <m:r>
+                                      <a:rPr lang="en-US" altLang="zh-CN" sz="2000" i="1">
+                                        <a:solidFill>
+                                          <a:schemeClr val="tx1">
+                                            <a:lumMod val="65000"/>
+                                            <a:lumOff val="35000"/>
+                                          </a:schemeClr>
+                                        </a:solidFill>
+                                        <a:latin typeface="Cambria Math" panose="02040503050406030204" pitchFamily="18" charset="0"/>
+                                        <a:ea typeface="微软雅黑 Light" panose="020B0502040204020203" pitchFamily="34" charset="-122"/>
+                                      </a:rPr>
+                                      <m:t>𝑢</m:t>
+                                    </m:r>
                                   </m:e>
                                   <m:sub>
                                     <m:r>
-                                      <a:rPr lang="en-US" altLang="zh-CN" sz="2000" i="1">
-                                        <a:solidFill>
-                                          <a:schemeClr val="tx1">
-                                            <a:lumMod val="65000"/>
-                                            <a:lumOff val="35000"/>
-                                          </a:schemeClr>
-                                        </a:solidFill>
-                                        <a:latin typeface="Cambria Math" panose="02040503050406030204" pitchFamily="18" charset="0"/>
-                                        <a:ea typeface="微软雅黑 Light" panose="020B0502040204020203" pitchFamily="34" charset="-122"/>
-                                      </a:rPr>
-                                      <m:t>1</m:t>
+                                      <a:rPr lang="en-US" altLang="zh-CN" sz="2000" b="0" i="1" smtClean="0">
+                                        <a:solidFill>
+                                          <a:schemeClr val="tx1">
+                                            <a:lumMod val="65000"/>
+                                            <a:lumOff val="35000"/>
+                                          </a:schemeClr>
+                                        </a:solidFill>
+                                        <a:latin typeface="Cambria Math" panose="02040503050406030204" pitchFamily="18" charset="0"/>
+                                        <a:ea typeface="微软雅黑 Light" panose="020B0502040204020203" pitchFamily="34" charset="-122"/>
+                                      </a:rPr>
+                                      <m:t>𝑛</m:t>
                                     </m:r>
                                   </m:sub>
                                 </m:sSub>
@@ -16249,8 +16135,8 @@
           </a:p>
         </p:txBody>
       </p:sp>
-      <mc:AlternateContent xmlns:mc="http://schemas.openxmlformats.org/markup-compatibility/2006">
-        <mc:Choice xmlns:a14="http://schemas.microsoft.com/office/drawing/2010/main" Requires="a14">
+      <mc:AlternateContent xmlns:mc="http://schemas.openxmlformats.org/markup-compatibility/2006" xmlns:a14="http://schemas.microsoft.com/office/drawing/2010/main">
+        <mc:Choice Requires="a14">
           <p:sp>
             <p:nvSpPr>
               <p:cNvPr id="4" name="Content Placeholder 3">
@@ -18265,7 +18151,7 @@
             </p:txBody>
           </p:sp>
         </mc:Choice>
-        <mc:Fallback>
+        <mc:Fallback xmlns="">
           <p:sp>
             <p:nvSpPr>
               <p:cNvPr id="4" name="Content Placeholder 3">
